--- a/papers/RSS2016/pictures/pdf/friction.pptx
+++ b/papers/RSS2016/pictures/pdf/friction.pptx
@@ -288,7 +288,7 @@
           <a:p>
             <a:fld id="{6666019B-6789-7642-8563-2C9E17E98A28}" type="datetimeFigureOut">
               <a:rPr lang="en-US" smtClean="0"/>
-              <a:t>9/23/15</a:t>
+              <a:t>1/28/16</a:t>
             </a:fld>
             <a:endParaRPr lang="en-US"/>
           </a:p>
@@ -458,7 +458,7 @@
           <a:p>
             <a:fld id="{6666019B-6789-7642-8563-2C9E17E98A28}" type="datetimeFigureOut">
               <a:rPr lang="en-US" smtClean="0"/>
-              <a:t>9/23/15</a:t>
+              <a:t>1/28/16</a:t>
             </a:fld>
             <a:endParaRPr lang="en-US"/>
           </a:p>
@@ -638,7 +638,7 @@
           <a:p>
             <a:fld id="{6666019B-6789-7642-8563-2C9E17E98A28}" type="datetimeFigureOut">
               <a:rPr lang="en-US" smtClean="0"/>
-              <a:t>9/23/15</a:t>
+              <a:t>1/28/16</a:t>
             </a:fld>
             <a:endParaRPr lang="en-US"/>
           </a:p>
@@ -808,7 +808,7 @@
           <a:p>
             <a:fld id="{6666019B-6789-7642-8563-2C9E17E98A28}" type="datetimeFigureOut">
               <a:rPr lang="en-US" smtClean="0"/>
-              <a:t>9/23/15</a:t>
+              <a:t>1/28/16</a:t>
             </a:fld>
             <a:endParaRPr lang="en-US"/>
           </a:p>
@@ -1054,7 +1054,7 @@
           <a:p>
             <a:fld id="{6666019B-6789-7642-8563-2C9E17E98A28}" type="datetimeFigureOut">
               <a:rPr lang="en-US" smtClean="0"/>
-              <a:t>9/23/15</a:t>
+              <a:t>1/28/16</a:t>
             </a:fld>
             <a:endParaRPr lang="en-US"/>
           </a:p>
@@ -1342,7 +1342,7 @@
           <a:p>
             <a:fld id="{6666019B-6789-7642-8563-2C9E17E98A28}" type="datetimeFigureOut">
               <a:rPr lang="en-US" smtClean="0"/>
-              <a:t>9/23/15</a:t>
+              <a:t>1/28/16</a:t>
             </a:fld>
             <a:endParaRPr lang="en-US"/>
           </a:p>
@@ -1769,7 +1769,7 @@
           <a:p>
             <a:fld id="{6666019B-6789-7642-8563-2C9E17E98A28}" type="datetimeFigureOut">
               <a:rPr lang="en-US" smtClean="0"/>
-              <a:t>9/23/15</a:t>
+              <a:t>1/28/16</a:t>
             </a:fld>
             <a:endParaRPr lang="en-US"/>
           </a:p>
@@ -1887,7 +1887,7 @@
           <a:p>
             <a:fld id="{6666019B-6789-7642-8563-2C9E17E98A28}" type="datetimeFigureOut">
               <a:rPr lang="en-US" smtClean="0"/>
-              <a:t>9/23/15</a:t>
+              <a:t>1/28/16</a:t>
             </a:fld>
             <a:endParaRPr lang="en-US"/>
           </a:p>
@@ -1982,7 +1982,7 @@
           <a:p>
             <a:fld id="{6666019B-6789-7642-8563-2C9E17E98A28}" type="datetimeFigureOut">
               <a:rPr lang="en-US" smtClean="0"/>
-              <a:t>9/23/15</a:t>
+              <a:t>1/28/16</a:t>
             </a:fld>
             <a:endParaRPr lang="en-US"/>
           </a:p>
@@ -2259,7 +2259,7 @@
           <a:p>
             <a:fld id="{6666019B-6789-7642-8563-2C9E17E98A28}" type="datetimeFigureOut">
               <a:rPr lang="en-US" smtClean="0"/>
-              <a:t>9/23/15</a:t>
+              <a:t>1/28/16</a:t>
             </a:fld>
             <a:endParaRPr lang="en-US"/>
           </a:p>
@@ -2512,7 +2512,7 @@
           <a:p>
             <a:fld id="{6666019B-6789-7642-8563-2C9E17E98A28}" type="datetimeFigureOut">
               <a:rPr lang="en-US" smtClean="0"/>
-              <a:t>9/23/15</a:t>
+              <a:t>1/28/16</a:t>
             </a:fld>
             <a:endParaRPr lang="en-US"/>
           </a:p>
@@ -2725,7 +2725,7 @@
           <a:p>
             <a:fld id="{6666019B-6789-7642-8563-2C9E17E98A28}" type="datetimeFigureOut">
               <a:rPr lang="en-US" smtClean="0"/>
-              <a:t>9/23/15</a:t>
+              <a:t>1/28/16</a:t>
             </a:fld>
             <a:endParaRPr lang="en-US"/>
           </a:p>
@@ -3214,7 +3214,7 @@
             <a:solidFill>
               <a:schemeClr val="tx1"/>
             </a:solidFill>
-            <a:tailEnd type="arrow"/>
+            <a:tailEnd type="stealth" w="med" len="lg"/>
           </a:ln>
         </p:spPr>
         <p:style>
@@ -3250,7 +3250,7 @@
             <a:solidFill>
               <a:srgbClr val="000000"/>
             </a:solidFill>
-            <a:tailEnd type="arrow"/>
+            <a:tailEnd type="stealth" w="med" len="lg"/>
           </a:ln>
         </p:spPr>
         <p:style>
@@ -3286,7 +3286,7 @@
             <a:solidFill>
               <a:srgbClr val="0000FF"/>
             </a:solidFill>
-            <a:tailEnd type="arrow"/>
+            <a:tailEnd type="stealth" w="med" len="lg"/>
           </a:ln>
         </p:spPr>
         <p:style>
@@ -3322,7 +3322,7 @@
             <a:solidFill>
               <a:srgbClr val="FF6600"/>
             </a:solidFill>
-            <a:tailEnd type="arrow"/>
+            <a:tailEnd type="stealth" w="med" len="lg"/>
           </a:ln>
         </p:spPr>
         <p:style>
@@ -3358,7 +3358,7 @@
             <a:solidFill>
               <a:srgbClr val="FF0000"/>
             </a:solidFill>
-            <a:tailEnd type="arrow"/>
+            <a:tailEnd type="stealth" w="med" len="lg"/>
           </a:ln>
         </p:spPr>
         <p:style>
@@ -3406,8 +3406,8 @@
                 <a:solidFill>
                   <a:srgbClr val="FF6600"/>
                 </a:solidFill>
-                <a:latin typeface="Arial"/>
-                <a:cs typeface="Arial"/>
+                <a:latin typeface="Times New Roman"/>
+                <a:cs typeface="Times New Roman"/>
               </a:rPr>
               <a:t>N</a:t>
             </a:r>
@@ -3441,8 +3441,8 @@
                 <a:solidFill>
                   <a:srgbClr val="FF0000"/>
                 </a:solidFill>
-                <a:latin typeface="Arial"/>
-                <a:cs typeface="Arial"/>
+                <a:latin typeface="Times New Roman"/>
+                <a:cs typeface="Times New Roman"/>
               </a:rPr>
               <a:t>F</a:t>
             </a:r>
@@ -3451,8 +3451,8 @@
                 <a:solidFill>
                   <a:srgbClr val="FF0000"/>
                 </a:solidFill>
-                <a:latin typeface="Arial"/>
-                <a:cs typeface="Arial"/>
+                <a:latin typeface="Times New Roman"/>
+                <a:cs typeface="Times New Roman"/>
               </a:rPr>
               <a:t>f</a:t>
             </a:r>
@@ -3460,8 +3460,8 @@
               <a:solidFill>
                 <a:srgbClr val="FF0000"/>
               </a:solidFill>
-              <a:latin typeface="Arial"/>
-              <a:cs typeface="Arial"/>
+              <a:latin typeface="Times New Roman"/>
+              <a:cs typeface="Times New Roman"/>
             </a:endParaRPr>
           </a:p>
         </p:txBody>
@@ -3493,8 +3493,8 @@
                 <a:solidFill>
                   <a:srgbClr val="000000"/>
                 </a:solidFill>
-                <a:latin typeface="Arial"/>
-                <a:cs typeface="Arial"/>
+                <a:latin typeface="Times New Roman"/>
+                <a:cs typeface="Times New Roman"/>
               </a:rPr>
               <a:t>F</a:t>
             </a:r>
@@ -3503,8 +3503,8 @@
                 <a:solidFill>
                   <a:srgbClr val="000000"/>
                 </a:solidFill>
-                <a:latin typeface="Arial"/>
-                <a:cs typeface="Arial"/>
+                <a:latin typeface="Times New Roman"/>
+                <a:cs typeface="Times New Roman"/>
               </a:rPr>
               <a:t>sin</a:t>
             </a:r>
@@ -3513,8 +3513,8 @@
                 <a:solidFill>
                   <a:srgbClr val="000000"/>
                 </a:solidFill>
-                <a:latin typeface="Arial"/>
-                <a:cs typeface="Arial"/>
+                <a:latin typeface="Times New Roman"/>
+                <a:cs typeface="Times New Roman"/>
               </a:rPr>
               <a:t>(</a:t>
             </a:r>
@@ -3523,8 +3523,8 @@
                 <a:solidFill>
                   <a:srgbClr val="000000"/>
                 </a:solidFill>
-                <a:latin typeface="Arial"/>
-                <a:cs typeface="Arial"/>
+                <a:latin typeface="Times New Roman"/>
+                <a:cs typeface="Times New Roman"/>
               </a:rPr>
               <a:t>θ</a:t>
             </a:r>
@@ -3533,8 +3533,8 @@
                 <a:solidFill>
                   <a:srgbClr val="000000"/>
                 </a:solidFill>
-                <a:latin typeface="Arial"/>
-                <a:cs typeface="Arial"/>
+                <a:latin typeface="Times New Roman"/>
+                <a:cs typeface="Times New Roman"/>
               </a:rPr>
               <a:t>)</a:t>
             </a:r>
@@ -3568,8 +3568,8 @@
                 <a:solidFill>
                   <a:srgbClr val="0000FF"/>
                 </a:solidFill>
-                <a:latin typeface="Arial"/>
-                <a:cs typeface="Arial"/>
+                <a:latin typeface="Times New Roman"/>
+                <a:cs typeface="Times New Roman"/>
               </a:rPr>
               <a:t>F</a:t>
             </a:r>
@@ -3578,8 +3578,8 @@
                 <a:solidFill>
                   <a:srgbClr val="0000FF"/>
                 </a:solidFill>
-                <a:latin typeface="Arial"/>
-                <a:cs typeface="Arial"/>
+                <a:latin typeface="Times New Roman"/>
+                <a:cs typeface="Times New Roman"/>
               </a:rPr>
               <a:t>cos</a:t>
             </a:r>
@@ -3588,8 +3588,8 @@
                 <a:solidFill>
                   <a:srgbClr val="0000FF"/>
                 </a:solidFill>
-                <a:latin typeface="Arial"/>
-                <a:cs typeface="Arial"/>
+                <a:latin typeface="Times New Roman"/>
+                <a:cs typeface="Times New Roman"/>
               </a:rPr>
               <a:t>(</a:t>
             </a:r>
@@ -3598,8 +3598,8 @@
                 <a:solidFill>
                   <a:srgbClr val="0000FF"/>
                 </a:solidFill>
-                <a:latin typeface="Arial"/>
-                <a:cs typeface="Arial"/>
+                <a:latin typeface="Times New Roman"/>
+                <a:cs typeface="Times New Roman"/>
               </a:rPr>
               <a:t>θ</a:t>
             </a:r>
@@ -3608,8 +3608,8 @@
                 <a:solidFill>
                   <a:srgbClr val="0000FF"/>
                 </a:solidFill>
-                <a:latin typeface="Arial"/>
-                <a:cs typeface="Arial"/>
+                <a:latin typeface="Times New Roman"/>
+                <a:cs typeface="Times New Roman"/>
               </a:rPr>
               <a:t>)</a:t>
             </a:r>
@@ -3617,8 +3617,8 @@
               <a:solidFill>
                 <a:srgbClr val="0000FF"/>
               </a:solidFill>
-              <a:latin typeface="Arial"/>
-              <a:cs typeface="Arial"/>
+              <a:latin typeface="Times New Roman"/>
+              <a:cs typeface="Times New Roman"/>
             </a:endParaRPr>
           </a:p>
         </p:txBody>
@@ -3650,8 +3650,8 @@
                 <a:solidFill>
                   <a:schemeClr val="bg1"/>
                 </a:solidFill>
-                <a:latin typeface="Arial"/>
-                <a:cs typeface="Arial"/>
+                <a:latin typeface="Times New Roman"/>
+                <a:cs typeface="Times New Roman"/>
               </a:rPr>
               <a:t>θ</a:t>
             </a:r>
@@ -3659,8 +3659,8 @@
               <a:solidFill>
                 <a:schemeClr val="bg1"/>
               </a:solidFill>
-              <a:latin typeface="Arial"/>
-              <a:cs typeface="Arial"/>
+              <a:latin typeface="Times New Roman"/>
+              <a:cs typeface="Times New Roman"/>
             </a:endParaRPr>
           </a:p>
         </p:txBody>
@@ -3692,8 +3692,8 @@
                 <a:solidFill>
                   <a:srgbClr val="000000"/>
                 </a:solidFill>
-                <a:latin typeface="Arial"/>
-                <a:cs typeface="Arial"/>
+                <a:latin typeface="Times New Roman"/>
+                <a:cs typeface="Times New Roman"/>
               </a:rPr>
               <a:t>F</a:t>
             </a:r>
@@ -3701,8 +3701,8 @@
               <a:solidFill>
                 <a:srgbClr val="000000"/>
               </a:solidFill>
-              <a:latin typeface="Arial"/>
-              <a:cs typeface="Arial"/>
+              <a:latin typeface="Times New Roman"/>
+              <a:cs typeface="Times New Roman"/>
             </a:endParaRPr>
           </a:p>
         </p:txBody>
@@ -3772,7 +3772,7 @@
             <a:solidFill>
               <a:schemeClr val="tx1"/>
             </a:solidFill>
-            <a:tailEnd type="arrow"/>
+            <a:tailEnd type="stealth" w="med" len="lg"/>
           </a:ln>
         </p:spPr>
         <p:style>
@@ -3817,8 +3817,8 @@
                 <a:solidFill>
                   <a:srgbClr val="000000"/>
                 </a:solidFill>
-                <a:latin typeface="Arial"/>
-                <a:cs typeface="Arial"/>
+                <a:latin typeface="Times New Roman"/>
+                <a:cs typeface="Times New Roman"/>
               </a:rPr>
               <a:t>F</a:t>
             </a:r>
@@ -3826,8 +3826,8 @@
               <a:solidFill>
                 <a:srgbClr val="000000"/>
               </a:solidFill>
-              <a:latin typeface="Arial"/>
-              <a:cs typeface="Arial"/>
+              <a:latin typeface="Times New Roman"/>
+              <a:cs typeface="Times New Roman"/>
             </a:endParaRPr>
           </a:p>
         </p:txBody>
@@ -3882,6 +3882,8 @@
               <a:solidFill>
                 <a:schemeClr val="tx1"/>
               </a:solidFill>
+              <a:latin typeface="Times New Roman"/>
+              <a:cs typeface="Times New Roman"/>
             </a:endParaRPr>
           </a:p>
         </p:txBody>
@@ -4000,7 +4002,7 @@
             <a:solidFill>
               <a:srgbClr val="000000"/>
             </a:solidFill>
-            <a:tailEnd type="arrow"/>
+            <a:tailEnd type="stealth" w="med" len="lg"/>
           </a:ln>
         </p:spPr>
         <p:style>
@@ -4045,8 +4047,8 @@
                 <a:solidFill>
                   <a:srgbClr val="008000"/>
                 </a:solidFill>
-                <a:latin typeface="Arial"/>
-                <a:cs typeface="Arial"/>
+                <a:latin typeface="Times New Roman"/>
+                <a:cs typeface="Times New Roman"/>
               </a:rPr>
               <a:t>F</a:t>
             </a:r>
@@ -4055,8 +4057,8 @@
                 <a:solidFill>
                   <a:srgbClr val="008000"/>
                 </a:solidFill>
-                <a:latin typeface="Arial"/>
-                <a:cs typeface="Arial"/>
+                <a:latin typeface="Times New Roman"/>
+                <a:cs typeface="Times New Roman"/>
               </a:rPr>
               <a:t>forward</a:t>
             </a:r>
@@ -4064,8 +4066,8 @@
               <a:solidFill>
                 <a:srgbClr val="008000"/>
               </a:solidFill>
-              <a:latin typeface="Arial"/>
-              <a:cs typeface="Arial"/>
+              <a:latin typeface="Times New Roman"/>
+              <a:cs typeface="Times New Roman"/>
             </a:endParaRPr>
           </a:p>
         </p:txBody>
@@ -4135,7 +4137,7 @@
             <a:solidFill>
               <a:schemeClr val="tx1"/>
             </a:solidFill>
-            <a:tailEnd type="arrow"/>
+            <a:tailEnd type="stealth" w="med" len="lg"/>
           </a:ln>
         </p:spPr>
         <p:style>
@@ -4180,8 +4182,8 @@
                 <a:solidFill>
                   <a:srgbClr val="000000"/>
                 </a:solidFill>
-                <a:latin typeface="Arial"/>
-                <a:cs typeface="Arial"/>
+                <a:latin typeface="Times New Roman"/>
+                <a:cs typeface="Times New Roman"/>
               </a:rPr>
               <a:t>F</a:t>
             </a:r>
@@ -4189,8 +4191,8 @@
               <a:solidFill>
                 <a:srgbClr val="000000"/>
               </a:solidFill>
-              <a:latin typeface="Arial"/>
-              <a:cs typeface="Arial"/>
+              <a:latin typeface="Times New Roman"/>
+              <a:cs typeface="Times New Roman"/>
             </a:endParaRPr>
           </a:p>
         </p:txBody>
@@ -4203,7 +4205,7 @@
         </p:nvCxnSpPr>
         <p:spPr>
           <a:xfrm flipH="1">
-            <a:off x="7768132" y="2961038"/>
+            <a:off x="7768132" y="2965441"/>
             <a:ext cx="1119548" cy="11117"/>
           </a:xfrm>
           <a:prstGeom prst="straightConnector1">
@@ -4213,7 +4215,7 @@
             <a:solidFill>
               <a:srgbClr val="FF0000"/>
             </a:solidFill>
-            <a:tailEnd type="arrow"/>
+            <a:tailEnd type="stealth" w="med" len="lg"/>
           </a:ln>
         </p:spPr>
         <p:style>
@@ -4249,7 +4251,7 @@
             <a:solidFill>
               <a:srgbClr val="008000"/>
             </a:solidFill>
-            <a:tailEnd type="arrow"/>
+            <a:tailEnd type="stealth" w="med" len="lg"/>
           </a:ln>
         </p:spPr>
         <p:style>
@@ -4267,6 +4269,104 @@
           </a:fontRef>
         </p:style>
       </p:cxnSp>
+      <p:sp>
+        <p:nvSpPr>
+          <p:cNvPr id="28" name="TextBox 27"/>
+          <p:cNvSpPr txBox="1"/>
+          <p:nvPr/>
+        </p:nvSpPr>
+        <p:spPr>
+          <a:xfrm>
+            <a:off x="824405" y="935715"/>
+            <a:ext cx="649462" cy="707886"/>
+          </a:xfrm>
+          <a:prstGeom prst="rect">
+            <a:avLst/>
+          </a:prstGeom>
+          <a:noFill/>
+        </p:spPr>
+        <p:txBody>
+          <a:bodyPr wrap="square" rtlCol="0">
+            <a:spAutoFit/>
+          </a:bodyPr>
+          <a:lstStyle/>
+          <a:p>
+            <a:r>
+              <a:rPr lang="en-US" sz="4000" i="1" dirty="0" err="1" smtClean="0">
+                <a:solidFill>
+                  <a:schemeClr val="bg1"/>
+                </a:solidFill>
+                <a:latin typeface="Times New Roman"/>
+                <a:cs typeface="Times New Roman"/>
+              </a:rPr>
+              <a:t>θ</a:t>
+            </a:r>
+            <a:endParaRPr lang="en-US" sz="4000" i="1" dirty="0" smtClean="0">
+              <a:solidFill>
+                <a:schemeClr val="bg1"/>
+              </a:solidFill>
+              <a:latin typeface="Times New Roman"/>
+              <a:cs typeface="Times New Roman"/>
+            </a:endParaRPr>
+          </a:p>
+        </p:txBody>
+      </p:sp>
+      <p:sp>
+        <p:nvSpPr>
+          <p:cNvPr id="29" name="Block Arc 28"/>
+          <p:cNvSpPr/>
+          <p:nvPr/>
+        </p:nvSpPr>
+        <p:spPr>
+          <a:xfrm rot="9276576">
+            <a:off x="487392" y="665134"/>
+            <a:ext cx="571663" cy="610459"/>
+          </a:xfrm>
+          <a:prstGeom prst="blockArc">
+            <a:avLst>
+              <a:gd name="adj1" fmla="val 13574603"/>
+              <a:gd name="adj2" fmla="val 16545285"/>
+              <a:gd name="adj3" fmla="val 4335"/>
+            </a:avLst>
+          </a:prstGeom>
+          <a:solidFill>
+            <a:schemeClr val="bg1"/>
+          </a:solidFill>
+          <a:ln>
+            <a:solidFill>
+              <a:schemeClr val="bg1"/>
+            </a:solidFill>
+          </a:ln>
+        </p:spPr>
+        <p:style>
+          <a:lnRef idx="1">
+            <a:schemeClr val="accent1"/>
+          </a:lnRef>
+          <a:fillRef idx="3">
+            <a:schemeClr val="accent1"/>
+          </a:fillRef>
+          <a:effectRef idx="2">
+            <a:schemeClr val="accent1"/>
+          </a:effectRef>
+          <a:fontRef idx="minor">
+            <a:schemeClr val="lt1"/>
+          </a:fontRef>
+        </p:style>
+        <p:txBody>
+          <a:bodyPr rtlCol="0" anchor="ctr"/>
+          <a:lstStyle/>
+          <a:p>
+            <a:pPr algn="ctr"/>
+            <a:endParaRPr lang="en-US">
+              <a:solidFill>
+                <a:schemeClr val="tx1"/>
+              </a:solidFill>
+              <a:latin typeface="Times New Roman"/>
+              <a:cs typeface="Times New Roman"/>
+            </a:endParaRPr>
+          </a:p>
+        </p:txBody>
+      </p:sp>
     </p:spTree>
     <p:extLst>
       <p:ext uri="{BB962C8B-B14F-4D97-AF65-F5344CB8AC3E}">
